--- a/presentation/b4_final.pptx
+++ b/presentation/b4_final.pptx
@@ -257,7 +257,7 @@
           <a:p>
             <a:fld id="{6125C4A0-E6F2-492F-8280-557817733D0F}" type="datetimeFigureOut">
               <a:rPr kumimoji="1" lang="ja-JP" altLang="en-US" smtClean="0"/>
-              <a:t>2020/1/24</a:t>
+              <a:t>2020/1/27</a:t>
             </a:fld>
             <a:endParaRPr kumimoji="1" lang="ja-JP" altLang="en-US"/>
           </a:p>
@@ -352,7 +352,7 @@
           <a:p>
             <a:fld id="{6125C4A0-E6F2-492F-8280-557817733D0F}" type="datetimeFigureOut">
               <a:rPr kumimoji="1" lang="ja-JP" altLang="en-US" smtClean="0"/>
-              <a:t>2020/1/24</a:t>
+              <a:t>2020/1/27</a:t>
             </a:fld>
             <a:endParaRPr kumimoji="1" lang="ja-JP" altLang="en-US"/>
           </a:p>
@@ -661,7 +661,7 @@
           <a:p>
             <a:fld id="{6125C4A0-E6F2-492F-8280-557817733D0F}" type="datetimeFigureOut">
               <a:rPr kumimoji="1" lang="ja-JP" altLang="en-US" smtClean="0"/>
-              <a:t>2020/1/24</a:t>
+              <a:t>2020/1/27</a:t>
             </a:fld>
             <a:endParaRPr kumimoji="1" lang="ja-JP" altLang="en-US"/>
           </a:p>
@@ -918,7 +918,7 @@
           <a:p>
             <a:fld id="{6125C4A0-E6F2-492F-8280-557817733D0F}" type="datetimeFigureOut">
               <a:rPr kumimoji="1" lang="ja-JP" altLang="en-US" smtClean="0"/>
-              <a:t>2020/1/24</a:t>
+              <a:t>2020/1/27</a:t>
             </a:fld>
             <a:endParaRPr kumimoji="1" lang="ja-JP" altLang="en-US"/>
           </a:p>
@@ -1120,7 +1120,7 @@
           <a:p>
             <a:fld id="{6125C4A0-E6F2-492F-8280-557817733D0F}" type="datetimeFigureOut">
               <a:rPr kumimoji="1" lang="ja-JP" altLang="en-US" smtClean="0"/>
-              <a:t>2020/1/24</a:t>
+              <a:t>2020/1/27</a:t>
             </a:fld>
             <a:endParaRPr kumimoji="1" lang="ja-JP" altLang="en-US"/>
           </a:p>
@@ -1332,7 +1332,7 @@
           <a:p>
             <a:fld id="{6125C4A0-E6F2-492F-8280-557817733D0F}" type="datetimeFigureOut">
               <a:rPr kumimoji="1" lang="ja-JP" altLang="en-US" smtClean="0"/>
-              <a:t>2020/1/24</a:t>
+              <a:t>2020/1/27</a:t>
             </a:fld>
             <a:endParaRPr kumimoji="1" lang="ja-JP" altLang="en-US"/>
           </a:p>
@@ -2695,7 +2695,7 @@
           <a:p>
             <a:fld id="{6125C4A0-E6F2-492F-8280-557817733D0F}" type="datetimeFigureOut">
               <a:rPr kumimoji="1" lang="ja-JP" altLang="en-US" smtClean="0"/>
-              <a:t>2020/1/24</a:t>
+              <a:t>2020/1/27</a:t>
             </a:fld>
             <a:endParaRPr kumimoji="1" lang="ja-JP" altLang="en-US"/>
           </a:p>
@@ -2897,7 +2897,7 @@
           <a:p>
             <a:fld id="{6125C4A0-E6F2-492F-8280-557817733D0F}" type="datetimeFigureOut">
               <a:rPr kumimoji="1" lang="ja-JP" altLang="en-US" smtClean="0"/>
-              <a:t>2020/1/24</a:t>
+              <a:t>2020/1/27</a:t>
             </a:fld>
             <a:endParaRPr kumimoji="1" lang="ja-JP" altLang="en-US"/>
           </a:p>
@@ -3141,7 +3141,7 @@
           <a:p>
             <a:fld id="{6125C4A0-E6F2-492F-8280-557817733D0F}" type="datetimeFigureOut">
               <a:rPr kumimoji="1" lang="ja-JP" altLang="en-US" smtClean="0"/>
-              <a:t>2020/1/24</a:t>
+              <a:t>2020/1/27</a:t>
             </a:fld>
             <a:endParaRPr kumimoji="1" lang="ja-JP" altLang="en-US"/>
           </a:p>
@@ -3437,7 +3437,7 @@
           <a:p>
             <a:fld id="{6125C4A0-E6F2-492F-8280-557817733D0F}" type="datetimeFigureOut">
               <a:rPr kumimoji="1" lang="ja-JP" altLang="en-US" smtClean="0"/>
-              <a:t>2020/1/24</a:t>
+              <a:t>2020/1/27</a:t>
             </a:fld>
             <a:endParaRPr kumimoji="1" lang="ja-JP" altLang="en-US"/>
           </a:p>
@@ -3868,7 +3868,7 @@
           <a:p>
             <a:fld id="{6125C4A0-E6F2-492F-8280-557817733D0F}" type="datetimeFigureOut">
               <a:rPr kumimoji="1" lang="ja-JP" altLang="en-US" smtClean="0"/>
-              <a:t>2020/1/24</a:t>
+              <a:t>2020/1/27</a:t>
             </a:fld>
             <a:endParaRPr kumimoji="1" lang="ja-JP" altLang="en-US"/>
           </a:p>
@@ -3986,7 +3986,7 @@
           <a:p>
             <a:fld id="{6125C4A0-E6F2-492F-8280-557817733D0F}" type="datetimeFigureOut">
               <a:rPr kumimoji="1" lang="ja-JP" altLang="en-US" smtClean="0"/>
-              <a:t>2020/1/24</a:t>
+              <a:t>2020/1/27</a:t>
             </a:fld>
             <a:endParaRPr kumimoji="1" lang="ja-JP" altLang="en-US"/>
           </a:p>
@@ -4231,7 +4231,7 @@
           <a:p>
             <a:fld id="{6125C4A0-E6F2-492F-8280-557817733D0F}" type="datetimeFigureOut">
               <a:rPr kumimoji="1" lang="ja-JP" altLang="en-US" smtClean="0"/>
-              <a:t>2020/1/24</a:t>
+              <a:t>2020/1/27</a:t>
             </a:fld>
             <a:endParaRPr kumimoji="1" lang="ja-JP" altLang="en-US"/>
           </a:p>
@@ -6279,7 +6279,7 @@
         </p:nvSpPr>
         <p:spPr>
           <a:xfrm>
-            <a:off x="1632306" y="4618985"/>
+            <a:off x="1724606" y="4038799"/>
             <a:ext cx="257694" cy="257694"/>
           </a:xfrm>
           <a:prstGeom prst="ellipse">
@@ -6325,7 +6325,7 @@
         </p:nvSpPr>
         <p:spPr>
           <a:xfrm>
-            <a:off x="2256332" y="4188664"/>
+            <a:off x="3074217" y="3596982"/>
             <a:ext cx="257694" cy="257694"/>
           </a:xfrm>
           <a:prstGeom prst="ellipse">
@@ -6371,8 +6371,8 @@
         </p:nvSpPr>
         <p:spPr>
           <a:xfrm>
-            <a:off x="1998638" y="5148309"/>
-            <a:ext cx="257694" cy="257694"/>
+            <a:off x="882038" y="4759781"/>
+            <a:ext cx="252000" cy="252000"/>
           </a:xfrm>
           <a:prstGeom prst="ellipse">
             <a:avLst/>
@@ -6495,6 +6495,162 @@
           </a:p>
         </p:txBody>
       </p:sp>
+      <p:sp>
+        <p:nvSpPr>
+          <p:cNvPr id="6" name="楕円 5">
+            <a:extLst>
+              <a:ext uri="{FF2B5EF4-FFF2-40B4-BE49-F238E27FC236}">
+                <a16:creationId xmlns:a16="http://schemas.microsoft.com/office/drawing/2014/main" id="{52276B99-3F87-4855-A289-4A474551366E}"/>
+              </a:ext>
+            </a:extLst>
+          </p:cNvPr>
+          <p:cNvSpPr/>
+          <p:nvPr/>
+        </p:nvSpPr>
+        <p:spPr>
+          <a:xfrm>
+            <a:off x="774038" y="4637194"/>
+            <a:ext cx="468000" cy="468000"/>
+          </a:xfrm>
+          <a:prstGeom prst="ellipse">
+            <a:avLst/>
+          </a:prstGeom>
+          <a:noFill/>
+          <a:ln w="19050">
+            <a:solidFill>
+              <a:schemeClr val="bg1"/>
+            </a:solidFill>
+          </a:ln>
+        </p:spPr>
+        <p:style>
+          <a:lnRef idx="2">
+            <a:schemeClr val="accent1">
+              <a:shade val="50000"/>
+            </a:schemeClr>
+          </a:lnRef>
+          <a:fillRef idx="1">
+            <a:schemeClr val="accent1"/>
+          </a:fillRef>
+          <a:effectRef idx="0">
+            <a:schemeClr val="accent1"/>
+          </a:effectRef>
+          <a:fontRef idx="minor">
+            <a:schemeClr val="lt1"/>
+          </a:fontRef>
+        </p:style>
+        <p:txBody>
+          <a:bodyPr rtlCol="0" anchor="ctr"/>
+          <a:lstStyle/>
+          <a:p>
+            <a:pPr algn="ctr"/>
+            <a:endParaRPr kumimoji="1" lang="ja-JP" altLang="en-US"/>
+          </a:p>
+        </p:txBody>
+      </p:sp>
+      <p:sp>
+        <p:nvSpPr>
+          <p:cNvPr id="11" name="楕円 10">
+            <a:extLst>
+              <a:ext uri="{FF2B5EF4-FFF2-40B4-BE49-F238E27FC236}">
+                <a16:creationId xmlns:a16="http://schemas.microsoft.com/office/drawing/2014/main" id="{12DA8E98-D9AB-479C-9939-73D9B859B1AA}"/>
+              </a:ext>
+            </a:extLst>
+          </p:cNvPr>
+          <p:cNvSpPr/>
+          <p:nvPr/>
+        </p:nvSpPr>
+        <p:spPr>
+          <a:xfrm>
+            <a:off x="684038" y="4547194"/>
+            <a:ext cx="648000" cy="648000"/>
+          </a:xfrm>
+          <a:prstGeom prst="ellipse">
+            <a:avLst/>
+          </a:prstGeom>
+          <a:noFill/>
+          <a:ln w="28575">
+            <a:solidFill>
+              <a:schemeClr val="bg1"/>
+            </a:solidFill>
+          </a:ln>
+        </p:spPr>
+        <p:style>
+          <a:lnRef idx="2">
+            <a:schemeClr val="accent1">
+              <a:shade val="50000"/>
+            </a:schemeClr>
+          </a:lnRef>
+          <a:fillRef idx="1">
+            <a:schemeClr val="accent1"/>
+          </a:fillRef>
+          <a:effectRef idx="0">
+            <a:schemeClr val="accent1"/>
+          </a:effectRef>
+          <a:fontRef idx="minor">
+            <a:schemeClr val="lt1"/>
+          </a:fontRef>
+        </p:style>
+        <p:txBody>
+          <a:bodyPr rtlCol="0" anchor="ctr"/>
+          <a:lstStyle/>
+          <a:p>
+            <a:pPr algn="ctr"/>
+            <a:endParaRPr kumimoji="1" lang="ja-JP" altLang="en-US"/>
+          </a:p>
+        </p:txBody>
+      </p:sp>
+      <p:sp>
+        <p:nvSpPr>
+          <p:cNvPr id="12" name="楕円 11">
+            <a:extLst>
+              <a:ext uri="{FF2B5EF4-FFF2-40B4-BE49-F238E27FC236}">
+                <a16:creationId xmlns:a16="http://schemas.microsoft.com/office/drawing/2014/main" id="{AB6D4C00-7C90-4CA9-BE90-7AD957BF3784}"/>
+              </a:ext>
+            </a:extLst>
+          </p:cNvPr>
+          <p:cNvSpPr/>
+          <p:nvPr/>
+        </p:nvSpPr>
+        <p:spPr>
+          <a:xfrm>
+            <a:off x="594038" y="4457194"/>
+            <a:ext cx="828000" cy="828000"/>
+          </a:xfrm>
+          <a:prstGeom prst="ellipse">
+            <a:avLst/>
+          </a:prstGeom>
+          <a:noFill/>
+          <a:ln w="28575">
+            <a:solidFill>
+              <a:schemeClr val="bg1"/>
+            </a:solidFill>
+          </a:ln>
+        </p:spPr>
+        <p:style>
+          <a:lnRef idx="2">
+            <a:schemeClr val="accent1">
+              <a:shade val="50000"/>
+            </a:schemeClr>
+          </a:lnRef>
+          <a:fillRef idx="1">
+            <a:schemeClr val="accent1"/>
+          </a:fillRef>
+          <a:effectRef idx="0">
+            <a:schemeClr val="accent1"/>
+          </a:effectRef>
+          <a:fontRef idx="minor">
+            <a:schemeClr val="lt1"/>
+          </a:fontRef>
+        </p:style>
+        <p:txBody>
+          <a:bodyPr rtlCol="0" anchor="ctr"/>
+          <a:lstStyle/>
+          <a:p>
+            <a:pPr algn="ctr"/>
+            <a:endParaRPr kumimoji="1" lang="ja-JP" altLang="en-US"/>
+          </a:p>
+        </p:txBody>
+      </p:sp>
     </p:spTree>
     <p:extLst>
       <p:ext uri="{BB962C8B-B14F-4D97-AF65-F5344CB8AC3E}">
@@ -6505,6 +6661,168 @@
   <p:clrMapOvr>
     <a:masterClrMapping/>
   </p:clrMapOvr>
+  <p:timing>
+    <p:tnLst>
+      <p:par>
+        <p:cTn id="1" dur="indefinite" restart="never" nodeType="tmRoot">
+          <p:childTnLst>
+            <p:seq concurrent="1" nextAc="seek">
+              <p:cTn id="2" dur="indefinite" nodeType="mainSeq">
+                <p:childTnLst>
+                  <p:par>
+                    <p:cTn id="3" fill="hold">
+                      <p:stCondLst>
+                        <p:cond delay="indefinite"/>
+                      </p:stCondLst>
+                      <p:childTnLst>
+                        <p:par>
+                          <p:cTn id="4" fill="hold">
+                            <p:stCondLst>
+                              <p:cond delay="0"/>
+                            </p:stCondLst>
+                            <p:childTnLst>
+                              <p:par>
+                                <p:cTn id="5" presetID="7" presetClass="emph" presetSubtype="2" repeatCount="10000" fill="remove" grpId="0" nodeType="clickEffect">
+                                  <p:stCondLst>
+                                    <p:cond delay="0"/>
+                                  </p:stCondLst>
+                                  <p:childTnLst>
+                                    <p:animClr clrSpc="rgb" dir="cw">
+                                      <p:cBhvr>
+                                        <p:cTn id="6" dur="1000" fill="hold"/>
+                                        <p:tgtEl>
+                                          <p:spTgt spid="6"/>
+                                        </p:tgtEl>
+                                        <p:attrNameLst>
+                                          <p:attrName>stroke.color</p:attrName>
+                                        </p:attrNameLst>
+                                      </p:cBhvr>
+                                      <p:to>
+                                        <a:srgbClr val="FFC000"/>
+                                      </p:to>
+                                    </p:animClr>
+                                    <p:set>
+                                      <p:cBhvr>
+                                        <p:cTn id="7" dur="1000" fill="hold"/>
+                                        <p:tgtEl>
+                                          <p:spTgt spid="6"/>
+                                        </p:tgtEl>
+                                        <p:attrNameLst>
+                                          <p:attrName>stroke.on</p:attrName>
+                                        </p:attrNameLst>
+                                      </p:cBhvr>
+                                      <p:to>
+                                        <p:strVal val="true"/>
+                                      </p:to>
+                                    </p:set>
+                                  </p:childTnLst>
+                                </p:cTn>
+                              </p:par>
+                              <p:par>
+                                <p:cTn id="8" presetID="7" presetClass="emph" presetSubtype="2" repeatCount="10000" fill="remove" nodeType="withEffect">
+                                  <p:stCondLst>
+                                    <p:cond delay="300"/>
+                                  </p:stCondLst>
+                                  <p:childTnLst>
+                                    <p:animClr clrSpc="rgb" dir="cw">
+                                      <p:cBhvr>
+                                        <p:cTn id="9" dur="1000" fill="hold"/>
+                                        <p:tgtEl>
+                                          <p:spTgt spid="11"/>
+                                        </p:tgtEl>
+                                        <p:attrNameLst>
+                                          <p:attrName>stroke.color</p:attrName>
+                                        </p:attrNameLst>
+                                      </p:cBhvr>
+                                      <p:to>
+                                        <a:srgbClr val="FFC000"/>
+                                      </p:to>
+                                    </p:animClr>
+                                    <p:set>
+                                      <p:cBhvr>
+                                        <p:cTn id="10" dur="1000" fill="hold"/>
+                                        <p:tgtEl>
+                                          <p:spTgt spid="11"/>
+                                        </p:tgtEl>
+                                        <p:attrNameLst>
+                                          <p:attrName>stroke.on</p:attrName>
+                                        </p:attrNameLst>
+                                      </p:cBhvr>
+                                      <p:to>
+                                        <p:strVal val="true"/>
+                                      </p:to>
+                                    </p:set>
+                                  </p:childTnLst>
+                                </p:cTn>
+                              </p:par>
+                              <p:par>
+                                <p:cTn id="11" presetID="7" presetClass="emph" presetSubtype="2" repeatCount="10000" fill="remove" nodeType="withEffect">
+                                  <p:stCondLst>
+                                    <p:cond delay="600"/>
+                                  </p:stCondLst>
+                                  <p:childTnLst>
+                                    <p:animClr clrSpc="rgb" dir="cw">
+                                      <p:cBhvr>
+                                        <p:cTn id="12" dur="1000" fill="hold"/>
+                                        <p:tgtEl>
+                                          <p:spTgt spid="12"/>
+                                        </p:tgtEl>
+                                        <p:attrNameLst>
+                                          <p:attrName>stroke.color</p:attrName>
+                                        </p:attrNameLst>
+                                      </p:cBhvr>
+                                      <p:to>
+                                        <a:srgbClr val="FFC000"/>
+                                      </p:to>
+                                    </p:animClr>
+                                    <p:set>
+                                      <p:cBhvr>
+                                        <p:cTn id="13" dur="1000" fill="hold"/>
+                                        <p:tgtEl>
+                                          <p:spTgt spid="12"/>
+                                        </p:tgtEl>
+                                        <p:attrNameLst>
+                                          <p:attrName>stroke.on</p:attrName>
+                                        </p:attrNameLst>
+                                      </p:cBhvr>
+                                      <p:to>
+                                        <p:strVal val="true"/>
+                                      </p:to>
+                                    </p:set>
+                                  </p:childTnLst>
+                                </p:cTn>
+                              </p:par>
+                            </p:childTnLst>
+                          </p:cTn>
+                        </p:par>
+                      </p:childTnLst>
+                    </p:cTn>
+                  </p:par>
+                </p:childTnLst>
+              </p:cTn>
+              <p:prevCondLst>
+                <p:cond evt="onPrev" delay="0">
+                  <p:tgtEl>
+                    <p:sldTgt/>
+                  </p:tgtEl>
+                </p:cond>
+              </p:prevCondLst>
+              <p:nextCondLst>
+                <p:cond evt="onNext" delay="0">
+                  <p:tgtEl>
+                    <p:sldTgt/>
+                  </p:tgtEl>
+                </p:cond>
+              </p:nextCondLst>
+            </p:seq>
+          </p:childTnLst>
+        </p:cTn>
+      </p:par>
+    </p:tnLst>
+    <p:bldLst>
+      <p:bldP spid="6" grpId="0" animBg="1"/>
+    </p:bldLst>
+  </p:timing>
 </p:sld>
 </file>
 
